--- a/Presentation.pptx
+++ b/Presentation.pptx
@@ -269,7 +269,7 @@
           <a:p>
             <a:fld id="{6CFFAE05-84B2-4C89-AC62-3416E29AC134}" type="datetimeFigureOut">
               <a:rPr lang="en-US" smtClean="0"/>
-              <a:t>6/11/2019</a:t>
+              <a:t>5/4/2020</a:t>
             </a:fld>
             <a:endParaRPr lang="en-US"/>
           </a:p>
@@ -467,7 +467,7 @@
           <a:p>
             <a:fld id="{6CFFAE05-84B2-4C89-AC62-3416E29AC134}" type="datetimeFigureOut">
               <a:rPr lang="en-US" smtClean="0"/>
-              <a:t>6/11/2019</a:t>
+              <a:t>5/4/2020</a:t>
             </a:fld>
             <a:endParaRPr lang="en-US"/>
           </a:p>
@@ -675,7 +675,7 @@
           <a:p>
             <a:fld id="{6CFFAE05-84B2-4C89-AC62-3416E29AC134}" type="datetimeFigureOut">
               <a:rPr lang="en-US" smtClean="0"/>
-              <a:t>6/11/2019</a:t>
+              <a:t>5/4/2020</a:t>
             </a:fld>
             <a:endParaRPr lang="en-US"/>
           </a:p>
@@ -873,7 +873,7 @@
           <a:p>
             <a:fld id="{6CFFAE05-84B2-4C89-AC62-3416E29AC134}" type="datetimeFigureOut">
               <a:rPr lang="en-US" smtClean="0"/>
-              <a:t>6/11/2019</a:t>
+              <a:t>5/4/2020</a:t>
             </a:fld>
             <a:endParaRPr lang="en-US"/>
           </a:p>
@@ -1148,7 +1148,7 @@
           <a:p>
             <a:fld id="{6CFFAE05-84B2-4C89-AC62-3416E29AC134}" type="datetimeFigureOut">
               <a:rPr lang="en-US" smtClean="0"/>
-              <a:t>6/11/2019</a:t>
+              <a:t>5/4/2020</a:t>
             </a:fld>
             <a:endParaRPr lang="en-US"/>
           </a:p>
@@ -1413,7 +1413,7 @@
           <a:p>
             <a:fld id="{6CFFAE05-84B2-4C89-AC62-3416E29AC134}" type="datetimeFigureOut">
               <a:rPr lang="en-US" smtClean="0"/>
-              <a:t>6/11/2019</a:t>
+              <a:t>5/4/2020</a:t>
             </a:fld>
             <a:endParaRPr lang="en-US"/>
           </a:p>
@@ -1825,7 +1825,7 @@
           <a:p>
             <a:fld id="{6CFFAE05-84B2-4C89-AC62-3416E29AC134}" type="datetimeFigureOut">
               <a:rPr lang="en-US" smtClean="0"/>
-              <a:t>6/11/2019</a:t>
+              <a:t>5/4/2020</a:t>
             </a:fld>
             <a:endParaRPr lang="en-US"/>
           </a:p>
@@ -1966,7 +1966,7 @@
           <a:p>
             <a:fld id="{6CFFAE05-84B2-4C89-AC62-3416E29AC134}" type="datetimeFigureOut">
               <a:rPr lang="en-US" smtClean="0"/>
-              <a:t>6/11/2019</a:t>
+              <a:t>5/4/2020</a:t>
             </a:fld>
             <a:endParaRPr lang="en-US"/>
           </a:p>
@@ -2079,7 +2079,7 @@
           <a:p>
             <a:fld id="{6CFFAE05-84B2-4C89-AC62-3416E29AC134}" type="datetimeFigureOut">
               <a:rPr lang="en-US" smtClean="0"/>
-              <a:t>6/11/2019</a:t>
+              <a:t>5/4/2020</a:t>
             </a:fld>
             <a:endParaRPr lang="en-US"/>
           </a:p>
@@ -2390,7 +2390,7 @@
           <a:p>
             <a:fld id="{6CFFAE05-84B2-4C89-AC62-3416E29AC134}" type="datetimeFigureOut">
               <a:rPr lang="en-US" smtClean="0"/>
-              <a:t>6/11/2019</a:t>
+              <a:t>5/4/2020</a:t>
             </a:fld>
             <a:endParaRPr lang="en-US"/>
           </a:p>
@@ -2678,7 +2678,7 @@
           <a:p>
             <a:fld id="{6CFFAE05-84B2-4C89-AC62-3416E29AC134}" type="datetimeFigureOut">
               <a:rPr lang="en-US" smtClean="0"/>
-              <a:t>6/11/2019</a:t>
+              <a:t>5/4/2020</a:t>
             </a:fld>
             <a:endParaRPr lang="en-US"/>
           </a:p>
@@ -2919,7 +2919,7 @@
           <a:p>
             <a:fld id="{6CFFAE05-84B2-4C89-AC62-3416E29AC134}" type="datetimeFigureOut">
               <a:rPr lang="en-US" smtClean="0"/>
-              <a:t>6/11/2019</a:t>
+              <a:t>5/4/2020</a:t>
             </a:fld>
             <a:endParaRPr lang="en-US"/>
           </a:p>
@@ -5458,7 +5458,7 @@
                 <a:latin typeface="Courier New" panose="02070309020205020404" pitchFamily="49" charset="0"/>
                 <a:cs typeface="Courier New" panose="02070309020205020404" pitchFamily="49" charset="0"/>
               </a:rPr>
-              <a:t>  		Normal flush: 4.0%</a:t>
+              <a:t>  		Normal flush: 4.5%</a:t>
             </a:r>
           </a:p>
           <a:p>
@@ -5470,8 +5470,19 @@
                 <a:latin typeface="Courier New" panose="02070309020205020404" pitchFamily="49" charset="0"/>
                 <a:cs typeface="Courier New" panose="02070309020205020404" pitchFamily="49" charset="0"/>
               </a:rPr>
-              <a:t>  		Normal straight: 4.5%</a:t>
-            </a:r>
+              <a:t>  		Normal straight</a:t>
+            </a:r>
+            <a:r>
+              <a:rPr lang="en-US" sz="1800">
+                <a:latin typeface="Courier New" panose="02070309020205020404" pitchFamily="49" charset="0"/>
+                <a:cs typeface="Courier New" panose="02070309020205020404" pitchFamily="49" charset="0"/>
+              </a:rPr>
+              <a:t>: 4.0%</a:t>
+            </a:r>
+            <a:endParaRPr lang="en-US" sz="1800" dirty="0">
+              <a:latin typeface="Courier New" panose="02070309020205020404" pitchFamily="49" charset="0"/>
+              <a:cs typeface="Courier New" panose="02070309020205020404" pitchFamily="49" charset="0"/>
+            </a:endParaRPr>
           </a:p>
           <a:p>
             <a:pPr marL="0" indent="0">
